--- a/CCSC-MW Fall 2024 Conference Tutorial.pptx
+++ b/CCSC-MW Fall 2024 Conference Tutorial.pptx
@@ -180,6 +180,14 @@
     </p:ext>
   </p:extLst>
 </p:presentation>
+</file>
+
+<file path=ppt/revisionInfo.xml><?xml version="1.0" encoding="utf-8"?>
+<p1510:revInfo xmlns:a="http://schemas.openxmlformats.org/drawingml/2006/main" xmlns:r="http://schemas.openxmlformats.org/officeDocument/2006/relationships" xmlns:p1510="http://schemas.microsoft.com/office/powerpoint/2015/10/main">
+  <p1510:revLst>
+    <p1510:client id="{AC447AB3-8C2D-884D-BE48-FEB9023B3C20}" v="1" dt="2024-09-26T03:23:23.400"/>
+  </p1510:revLst>
+</p1510:revInfo>
 </file>
 
 <file path=ppt/changesInfos/changesInfo1.xml><?xml version="1.0" encoding="utf-8"?>
@@ -962,7 +970,7 @@
           <a:p>
             <a:fld id="{52C640F9-5F57-4A56-A18C-41BD23F454DE}" type="datetimeFigureOut">
               <a:rPr lang="en-US" smtClean="0"/>
-              <a:t>9/20/2024</a:t>
+              <a:t>9/25/24</a:t>
             </a:fld>
             <a:endParaRPr lang="en-US" dirty="0"/>
           </a:p>
@@ -4573,7 +4581,7 @@
           <a:p>
             <a:fld id="{6DAF16FE-B93F-47FF-95FE-4BD6A1B07446}" type="datetimeFigureOut">
               <a:rPr lang="en-US" smtClean="0"/>
-              <a:t>9/20/2024</a:t>
+              <a:t>9/25/24</a:t>
             </a:fld>
             <a:endParaRPr lang="en-US" dirty="0"/>
           </a:p>
@@ -5017,20 +5025,19 @@
           <a:lstStyle/>
           <a:p>
             <a:r>
-              <a:rPr lang="en-US" sz="4400"/>
+              <a:rPr lang="en-US" sz="4400" dirty="0"/>
               <a:t>AI Benchmarks</a:t>
             </a:r>
             <a:br>
-              <a:rPr lang="en-US" sz="4400"/>
+              <a:rPr lang="en-US" sz="4400" dirty="0"/>
             </a:br>
             <a:br>
-              <a:rPr lang="en-US" sz="4400"/>
+              <a:rPr lang="en-US" sz="4400" dirty="0"/>
             </a:br>
             <a:r>
-              <a:rPr lang="en-US" sz="4400"/>
+              <a:rPr lang="en-US" sz="4400" dirty="0"/>
               <a:t>CCSC-MW Fall 2024 Conference Tutorial </a:t>
             </a:r>
-            <a:endParaRPr lang="en-US" sz="4400" dirty="0"/>
           </a:p>
         </p:txBody>
       </p:sp>
@@ -5070,19 +5077,14 @@
           <a:p>
             <a:r>
               <a:rPr lang="en-US" dirty="0"/>
-              <a:t>    Assistant </a:t>
-            </a:r>
-            <a:r>
-              <a:rPr lang="en-US"/>
-              <a:t>Professor Educator</a:t>
-            </a:r>
-          </a:p>
-          <a:p>
-            <a:r>
-              <a:rPr lang="en-US"/>
+              <a:t>    Assistant Professor Educator</a:t>
+            </a:r>
+          </a:p>
+          <a:p>
+            <a:r>
+              <a:rPr lang="en-US" dirty="0"/>
               <a:t>    Information Systems Program</a:t>
             </a:r>
-            <a:endParaRPr lang="en-US" dirty="0"/>
           </a:p>
           <a:p>
             <a:r>
@@ -5206,12 +5208,12 @@
           <a:lstStyle/>
           <a:p>
             <a:r>
-              <a:rPr lang="en-US">
+              <a:rPr lang="en-US" dirty="0">
                 <a:hlinkClick r:id="rId4"/>
               </a:rPr>
               <a:t>https://github.com/nicomp42/CCSCMW2024</a:t>
             </a:r>
-            <a:endParaRPr lang="en-US"/>
+            <a:endParaRPr lang="en-US" dirty="0"/>
           </a:p>
         </p:txBody>
       </p:sp>
@@ -8261,40 +8263,31 @@
           <a:lstStyle/>
           <a:p>
             <a:r>
-              <a:rPr lang="en-US" sz="3900"/>
+              <a:rPr lang="en-US" sz="3900" dirty="0"/>
               <a:t>Motivation for studying AI benchmarks</a:t>
             </a:r>
           </a:p>
           <a:p>
             <a:r>
-              <a:rPr lang="en-US" sz="3900"/>
-              <a:t>General </a:t>
-            </a:r>
-            <a:r>
               <a:rPr lang="en-US" sz="3900" dirty="0"/>
-              <a:t>overview </a:t>
-            </a:r>
-            <a:r>
-              <a:rPr lang="en-US" sz="3900"/>
-              <a:t>of some benchmarks</a:t>
-            </a:r>
-          </a:p>
-          <a:p>
-            <a:r>
-              <a:rPr lang="en-US" sz="3900"/>
+              <a:t>General overview of some benchmarks</a:t>
+            </a:r>
+          </a:p>
+          <a:p>
+            <a:r>
+              <a:rPr lang="en-US" sz="3900" dirty="0"/>
               <a:t>More detailed examination of one specific benchmark</a:t>
             </a:r>
-            <a:endParaRPr lang="en-US" sz="3900" dirty="0"/>
-          </a:p>
-          <a:p>
-            <a:r>
-              <a:rPr lang="en-US" sz="3900"/>
+          </a:p>
+          <a:p>
+            <a:r>
+              <a:rPr lang="en-US" sz="3900" dirty="0"/>
               <a:t>Analyze benchmark contents with Python</a:t>
             </a:r>
           </a:p>
           <a:p>
             <a:r>
-              <a:rPr lang="en-US" sz="3900"/>
+              <a:rPr lang="en-US" sz="3900" dirty="0"/>
               <a:t>Questions</a:t>
             </a:r>
             <a:endParaRPr lang="en-US" dirty="0"/>
@@ -9697,7 +9690,7 @@
           <a:lstStyle/>
           <a:p>
             <a:r>
-              <a:rPr lang="en-US"/>
+              <a:rPr lang="en-US" dirty="0"/>
               <a:t>Future Work</a:t>
             </a:r>
           </a:p>
@@ -9732,93 +9725,97 @@
           <a:lstStyle/>
           <a:p>
             <a:r>
-              <a:rPr lang="en-US"/>
+              <a:rPr lang="en-US" dirty="0"/>
               <a:t>Filter out common words prior to analysis</a:t>
             </a:r>
           </a:p>
           <a:p>
             <a:pPr lvl="1"/>
             <a:r>
-              <a:rPr lang="en-US"/>
+              <a:rPr lang="en-US" dirty="0"/>
               <a:t>See function </a:t>
             </a:r>
             <a:r>
-              <a:rPr lang="en-US">
+              <a:rPr lang="en-US" dirty="0" err="1">
                 <a:latin typeface="Courier New" panose="02070309020205020404" pitchFamily="49" charset="0"/>
                 <a:cs typeface="Courier New" panose="02070309020205020404" pitchFamily="49" charset="0"/>
               </a:rPr>
               <a:t>build_text_from_questions</a:t>
             </a:r>
-          </a:p>
-          <a:p>
-            <a:pPr lvl="1"/>
-            <a:endParaRPr lang="en-US">
+            <a:endParaRPr lang="en-US" dirty="0">
               <a:latin typeface="Courier New" panose="02070309020205020404" pitchFamily="49" charset="0"/>
               <a:cs typeface="Courier New" panose="02070309020205020404" pitchFamily="49" charset="0"/>
             </a:endParaRPr>
           </a:p>
           <a:p>
-            <a:r>
-              <a:rPr lang="en-US"/>
-              <a:t>Sentiment analysis</a:t>
-            </a:r>
-          </a:p>
-          <a:p>
-            <a:endParaRPr lang="en-US"/>
-          </a:p>
-          <a:p>
-            <a:r>
-              <a:rPr lang="en-US"/>
-              <a:t>Read up on Word Clouds (what value do they provide?)</a:t>
-            </a:r>
-          </a:p>
-          <a:p>
-            <a:endParaRPr lang="en-US"/>
-          </a:p>
-          <a:p>
-            <a:r>
-              <a:rPr lang="en-US"/>
-              <a:t>Investigate the impact on leaderboards from subtle changes to the questions.</a:t>
-            </a:r>
-          </a:p>
-          <a:p>
-            <a:endParaRPr lang="en-US"/>
-          </a:p>
-          <a:p>
-            <a:r>
-              <a:rPr lang="en-US"/>
-              <a:t>Investigate grammar issues in questions </a:t>
-            </a:r>
-          </a:p>
-          <a:p>
-            <a:endParaRPr lang="en-US"/>
-          </a:p>
-          <a:p>
-            <a:r>
-              <a:rPr lang="en-US"/>
-              <a:t>Semantic analysis</a:t>
-            </a:r>
-          </a:p>
-          <a:p>
-            <a:endParaRPr lang="en-US"/>
-          </a:p>
-          <a:p>
-            <a:r>
-              <a:rPr lang="en-US"/>
-              <a:t>More data visualization</a:t>
-            </a:r>
-          </a:p>
-          <a:p>
-            <a:endParaRPr lang="en-US"/>
-          </a:p>
-          <a:p>
-            <a:endParaRPr lang="en-US">
+            <a:pPr lvl="1"/>
+            <a:endParaRPr lang="en-US" dirty="0">
               <a:latin typeface="Courier New" panose="02070309020205020404" pitchFamily="49" charset="0"/>
               <a:cs typeface="Courier New" panose="02070309020205020404" pitchFamily="49" charset="0"/>
             </a:endParaRPr>
           </a:p>
           <a:p>
-            <a:endParaRPr lang="en-US">
+            <a:r>
+              <a:rPr lang="en-US" dirty="0"/>
+              <a:t>Sentiment analysis</a:t>
+            </a:r>
+          </a:p>
+          <a:p>
+            <a:endParaRPr lang="en-US" dirty="0"/>
+          </a:p>
+          <a:p>
+            <a:r>
+              <a:rPr lang="en-US" dirty="0"/>
+              <a:t>Read up on Word Clouds (what value do they provide?)</a:t>
+            </a:r>
+          </a:p>
+          <a:p>
+            <a:endParaRPr lang="en-US" dirty="0"/>
+          </a:p>
+          <a:p>
+            <a:r>
+              <a:rPr lang="en-US" dirty="0"/>
+              <a:t>Investigate the impact on leaderboards from subtle changes to the questions.</a:t>
+            </a:r>
+          </a:p>
+          <a:p>
+            <a:endParaRPr lang="en-US" dirty="0"/>
+          </a:p>
+          <a:p>
+            <a:r>
+              <a:rPr lang="en-US" dirty="0"/>
+              <a:t>Investigate grammar issues in questions </a:t>
+            </a:r>
+          </a:p>
+          <a:p>
+            <a:endParaRPr lang="en-US" dirty="0"/>
+          </a:p>
+          <a:p>
+            <a:r>
+              <a:rPr lang="en-US" dirty="0"/>
+              <a:t>Semantic analysis</a:t>
+            </a:r>
+          </a:p>
+          <a:p>
+            <a:endParaRPr lang="en-US" dirty="0"/>
+          </a:p>
+          <a:p>
+            <a:r>
+              <a:rPr lang="en-US" dirty="0"/>
+              <a:t>More data visualization</a:t>
+            </a:r>
+          </a:p>
+          <a:p>
+            <a:endParaRPr lang="en-US" dirty="0"/>
+          </a:p>
+          <a:p>
+            <a:endParaRPr lang="en-US" dirty="0">
+              <a:latin typeface="Courier New" panose="02070309020205020404" pitchFamily="49" charset="0"/>
+              <a:cs typeface="Courier New" panose="02070309020205020404" pitchFamily="49" charset="0"/>
+            </a:endParaRPr>
+          </a:p>
+          <a:p>
+            <a:endParaRPr lang="en-US" dirty="0">
               <a:latin typeface="Courier New" panose="02070309020205020404" pitchFamily="49" charset="0"/>
               <a:cs typeface="Courier New" panose="02070309020205020404" pitchFamily="49" charset="0"/>
             </a:endParaRPr>

--- a/CCSC-MW Fall 2024 Conference Tutorial.pptx
+++ b/CCSC-MW Fall 2024 Conference Tutorial.pptx
@@ -180,6 +180,12 @@
     </p:ext>
   </p:extLst>
 </p:presentation>
+</file>
+
+<file path=ppt/authors.xml><?xml version="1.0" encoding="utf-8"?>
+<p188:authorLst xmlns:a="http://schemas.openxmlformats.org/drawingml/2006/main" xmlns:r="http://schemas.openxmlformats.org/officeDocument/2006/relationships" xmlns:p188="http://schemas.microsoft.com/office/powerpoint/2018/8/main">
+  <p188:author id="{26FFF838-6D05-03EB-8765-2274D5EF64A8}" name="Vo, Eirlys (vopq)" initials="EV" userId="S::vopq@mail.uc.edu::aa51f97e-ec47-4d79-be02-a3e82835624f" providerId="AD"/>
+</p188:authorLst>
 </file>
 
 <file path=ppt/revisionInfo.xml><?xml version="1.0" encoding="utf-8"?>
@@ -885,7 +891,99 @@
       </pc:sldChg>
     </pc:docChg>
   </pc:docChgLst>
+  <pc:docChgLst>
+    <pc:chgData name="Vo, Eirlys (vopq)" userId="aa51f97e-ec47-4d79-be02-a3e82835624f" providerId="ADAL" clId="{AC447AB3-8C2D-884D-BE48-FEB9023B3C20}"/>
+    <pc:docChg chg="undo custSel modSld">
+      <pc:chgData name="Vo, Eirlys (vopq)" userId="aa51f97e-ec47-4d79-be02-a3e82835624f" providerId="ADAL" clId="{AC447AB3-8C2D-884D-BE48-FEB9023B3C20}" dt="2024-09-27T14:16:07.442" v="1" actId="1076"/>
+      <pc:docMkLst>
+        <pc:docMk/>
+      </pc:docMkLst>
+      <pc:sldChg chg="modSp mod">
+        <pc:chgData name="Vo, Eirlys (vopq)" userId="aa51f97e-ec47-4d79-be02-a3e82835624f" providerId="ADAL" clId="{AC447AB3-8C2D-884D-BE48-FEB9023B3C20}" dt="2024-09-27T14:16:07.442" v="1" actId="1076"/>
+        <pc:sldMkLst>
+          <pc:docMk/>
+          <pc:sldMk cId="2816765906" sldId="457"/>
+        </pc:sldMkLst>
+        <pc:spChg chg="mod">
+          <ac:chgData name="Vo, Eirlys (vopq)" userId="aa51f97e-ec47-4d79-be02-a3e82835624f" providerId="ADAL" clId="{AC447AB3-8C2D-884D-BE48-FEB9023B3C20}" dt="2024-09-27T14:16:07.442" v="1" actId="1076"/>
+          <ac:spMkLst>
+            <pc:docMk/>
+            <pc:sldMk cId="2816765906" sldId="457"/>
+            <ac:spMk id="8" creationId="{5E1858F5-406D-E0EE-3EC9-71441536648F}"/>
+          </ac:spMkLst>
+        </pc:spChg>
+      </pc:sldChg>
+    </pc:docChg>
+  </pc:docChgLst>
 </pc:chgInfo>
+</file>
+
+<file path=ppt/comments/modernComment_1BF_D7FB2A53.xml><?xml version="1.0" encoding="utf-8"?>
+<p188:cmLst xmlns:a="http://schemas.openxmlformats.org/drawingml/2006/main" xmlns:r="http://schemas.openxmlformats.org/officeDocument/2006/relationships" xmlns:p188="http://schemas.microsoft.com/office/powerpoint/2018/8/main">
+  <p188:cm id="{56C28E5B-9621-694C-ACD7-5A78B697C58D}" authorId="{26FFF838-6D05-03EB-8765-2274D5EF64A8}" created="2024-09-27T14:13:55.265">
+    <ac:txMkLst xmlns:ac="http://schemas.microsoft.com/office/drawing/2013/main/command">
+      <pc:docMk xmlns:pc="http://schemas.microsoft.com/office/powerpoint/2013/main/command"/>
+      <pc:sldMk xmlns:pc="http://schemas.microsoft.com/office/powerpoint/2013/main/command" cId="3623561811" sldId="447"/>
+      <ac:spMk id="3" creationId="{FDF8C00E-E454-5A90-BBC2-075A2B7B284F}"/>
+      <ac:txMk cp="0" len="30">
+        <ac:context len="276" hash="1548270398"/>
+      </ac:txMk>
+    </ac:txMkLst>
+    <p188:pos x="4926496" y="520010"/>
+    <p188:txBody>
+      <a:bodyPr/>
+      <a:lstStyle/>
+      <a:p>
+        <a:r>
+          <a:rPr lang="en-US"/>
+          <a:t>Obtain a list of questions used for benchmarks </a:t>
+        </a:r>
+      </a:p>
+    </p188:txBody>
+  </p188:cm>
+  <p188:cm id="{D5F0E6CF-575A-5D4A-BA63-E7B85CF99E1E}" authorId="{26FFF838-6D05-03EB-8765-2274D5EF64A8}" created="2024-09-27T14:14:48.602">
+    <ac:txMkLst xmlns:ac="http://schemas.microsoft.com/office/drawing/2013/main/command">
+      <pc:docMk xmlns:pc="http://schemas.microsoft.com/office/powerpoint/2013/main/command"/>
+      <pc:sldMk xmlns:pc="http://schemas.microsoft.com/office/powerpoint/2013/main/command" cId="3623561811" sldId="447"/>
+      <ac:spMk id="3" creationId="{FDF8C00E-E454-5A90-BBC2-075A2B7B284F}"/>
+      <ac:txMk cp="176" len="18">
+        <ac:context len="276" hash="1548270398"/>
+      </ac:txMk>
+    </ac:txMkLst>
+    <p188:pos x="3203713" y="2706618"/>
+    <p188:txBody>
+      <a:bodyPr/>
+      <a:lstStyle/>
+      <a:p>
+        <a:r>
+          <a:rPr lang="en-US"/>
+          <a:t>done</a:t>
+        </a:r>
+      </a:p>
+    </p188:txBody>
+  </p188:cm>
+  <p188:cm id="{ADB07FDF-586C-0741-AA6C-249EB93F94B3}" authorId="{26FFF838-6D05-03EB-8765-2274D5EF64A8}" created="2024-09-27T14:15:09.608">
+    <ac:txMkLst xmlns:ac="http://schemas.microsoft.com/office/drawing/2013/main/command">
+      <pc:docMk xmlns:pc="http://schemas.microsoft.com/office/powerpoint/2013/main/command"/>
+      <pc:sldMk xmlns:pc="http://schemas.microsoft.com/office/powerpoint/2013/main/command" cId="3623561811" sldId="447"/>
+      <ac:spMk id="3" creationId="{FDF8C00E-E454-5A90-BBC2-075A2B7B284F}"/>
+      <ac:txMk cp="242" len="32">
+        <ac:context len="276" hash="1548270398"/>
+      </ac:txMk>
+    </ac:txMkLst>
+    <p188:pos x="4846983" y="3886062"/>
+    <p188:txBody>
+      <a:bodyPr/>
+      <a:lstStyle/>
+      <a:p>
+        <a:r>
+          <a:rPr lang="en-US"/>
+          <a:t>assumption: default in using dic is English US</a:t>
+        </a:r>
+      </a:p>
+    </p188:txBody>
+  </p188:cm>
+</p188:cmLst>
 </file>
 
 <file path=ppt/notesMasters/notesMaster1.xml><?xml version="1.0" encoding="utf-8"?>
@@ -970,7 +1068,7 @@
           <a:p>
             <a:fld id="{52C640F9-5F57-4A56-A18C-41BD23F454DE}" type="datetimeFigureOut">
               <a:rPr lang="en-US" smtClean="0"/>
-              <a:t>9/25/24</a:t>
+              <a:t>9/27/24</a:t>
             </a:fld>
             <a:endParaRPr lang="en-US" dirty="0"/>
           </a:p>
@@ -4581,7 +4679,7 @@
           <a:p>
             <a:fld id="{6DAF16FE-B93F-47FF-95FE-4BD6A1B07446}" type="datetimeFigureOut">
               <a:rPr lang="en-US" smtClean="0"/>
-              <a:t>9/25/24</a:t>
+              <a:t>9/27/24</a:t>
             </a:fld>
             <a:endParaRPr lang="en-US" dirty="0"/>
           </a:p>
@@ -6394,66 +6492,66 @@
           <a:lstStyle/>
           <a:p>
             <a:r>
-              <a:rPr lang="en-US"/>
+              <a:rPr lang="en-US" dirty="0"/>
               <a:t>Obtain the corpus of questions</a:t>
             </a:r>
           </a:p>
           <a:p>
             <a:r>
-              <a:rPr lang="en-US"/>
+              <a:rPr lang="en-US" dirty="0"/>
               <a:t>Load the questions into a list of dictionaries and also a big text string.</a:t>
             </a:r>
           </a:p>
           <a:p>
             <a:r>
-              <a:rPr lang="en-US"/>
+              <a:rPr lang="en-US" dirty="0"/>
               <a:t>Perform analysis</a:t>
             </a:r>
           </a:p>
           <a:p>
             <a:pPr lvl="1"/>
             <a:r>
-              <a:rPr lang="en-US"/>
+              <a:rPr lang="en-US" dirty="0"/>
               <a:t>Select a random question</a:t>
             </a:r>
           </a:p>
           <a:p>
             <a:pPr lvl="1"/>
             <a:r>
-              <a:rPr lang="en-US"/>
+              <a:rPr lang="en-US" dirty="0"/>
               <a:t>Compute readability indices</a:t>
             </a:r>
           </a:p>
           <a:p>
             <a:pPr lvl="1"/>
             <a:r>
-              <a:rPr lang="en-US"/>
+              <a:rPr lang="en-US" dirty="0"/>
               <a:t>Build a word cloud</a:t>
             </a:r>
           </a:p>
           <a:p>
             <a:pPr lvl="1"/>
             <a:r>
-              <a:rPr lang="en-US"/>
+              <a:rPr lang="en-US" dirty="0"/>
               <a:t>Compute word frequencies</a:t>
             </a:r>
           </a:p>
           <a:p>
             <a:pPr lvl="1"/>
             <a:r>
-              <a:rPr lang="en-US"/>
+              <a:rPr lang="en-US" dirty="0"/>
               <a:t>Compute longest words</a:t>
             </a:r>
           </a:p>
           <a:p>
             <a:pPr lvl="1"/>
             <a:r>
-              <a:rPr lang="en-US"/>
+              <a:rPr lang="en-US" dirty="0"/>
               <a:t>Find words not in the dictionary</a:t>
             </a:r>
           </a:p>
           <a:p>
-            <a:endParaRPr lang="en-US"/>
+            <a:endParaRPr lang="en-US" dirty="0"/>
           </a:p>
         </p:txBody>
       </p:sp>
@@ -6467,6 +6565,11 @@
   <p:clrMapOvr>
     <a:masterClrMapping/>
   </p:clrMapOvr>
+  <p:extLst>
+    <p:ext uri="{6950BFC3-D8DA-4A85-94F7-54DA5524770B}">
+      <p188:commentRel xmlns:p188="http://schemas.microsoft.com/office/powerpoint/2018/8/main" r:id="rId2"/>
+    </p:ext>
+  </p:extLst>
 </p:sld>
 </file>
 
@@ -6823,7 +6926,7 @@
           <a:lstStyle/>
           <a:p>
             <a:r>
-              <a:rPr lang="en-US"/>
+              <a:rPr lang="en-US" dirty="0"/>
               <a:t>Each benchmark has a directory structure:</a:t>
             </a:r>
           </a:p>
@@ -6833,7 +6936,7 @@
               <a:buChar char="•"/>
             </a:pPr>
             <a:r>
-              <a:rPr lang="en-US"/>
+              <a:rPr lang="en-US" dirty="0"/>
               <a:t>A folder with the benchmark name, containing</a:t>
             </a:r>
           </a:p>
@@ -6843,11 +6946,11 @@
               <a:buChar char="•"/>
             </a:pPr>
             <a:r>
-              <a:rPr lang="en-US"/>
+              <a:rPr lang="en-US" dirty="0"/>
               <a:t>Questions in a folder called </a:t>
             </a:r>
             <a:r>
-              <a:rPr lang="en-US" b="1"/>
+              <a:rPr lang="en-US" b="1" dirty="0"/>
               <a:t>data</a:t>
             </a:r>
           </a:p>
@@ -6857,11 +6960,11 @@
               <a:buChar char="•"/>
             </a:pPr>
             <a:r>
-              <a:rPr lang="en-US"/>
+              <a:rPr lang="en-US" dirty="0"/>
               <a:t>Results in a folder called </a:t>
             </a:r>
             <a:r>
-              <a:rPr lang="en-US" b="1"/>
+              <a:rPr lang="en-US" b="1" dirty="0"/>
               <a:t>results</a:t>
             </a:r>
           </a:p>
@@ -6919,7 +7022,7 @@
           <a:lstStyle/>
           <a:p>
             <a:r>
-              <a:rPr lang="en-US"/>
+              <a:rPr lang="en-US" dirty="0"/>
               <a:t>Our Software Architecture</a:t>
             </a:r>
           </a:p>
@@ -6952,31 +7055,40 @@
           <a:lstStyle/>
           <a:p>
             <a:r>
-              <a:rPr lang="en-US"/>
-              <a:t>Jupyter Notebooks</a:t>
-            </a:r>
-          </a:p>
-          <a:p>
-            <a:endParaRPr lang="en-US"/>
-          </a:p>
-          <a:p>
-            <a:r>
-              <a:rPr lang="en-US"/>
+              <a:rPr lang="en-US" dirty="0" err="1"/>
+              <a:t>Jupyter</a:t>
+            </a:r>
+            <a:r>
+              <a:rPr lang="en-US" dirty="0"/>
+              <a:t> Notebooks</a:t>
+            </a:r>
+          </a:p>
+          <a:p>
+            <a:endParaRPr lang="en-US" dirty="0"/>
+          </a:p>
+          <a:p>
+            <a:r>
+              <a:rPr lang="en-US" dirty="0"/>
               <a:t>Each benchmark has an entry point module: </a:t>
             </a:r>
             <a:r>
-              <a:rPr lang="en-US" b="1"/>
-              <a:t>Main {benchmark}.ipynb</a:t>
-            </a:r>
-          </a:p>
-          <a:p>
-            <a:endParaRPr lang="en-US"/>
-          </a:p>
-          <a:p>
-            <a:endParaRPr lang="en-US"/>
-          </a:p>
-          <a:p>
-            <a:endParaRPr lang="en-US"/>
+              <a:rPr lang="en-US" b="1" dirty="0"/>
+              <a:t>Main {benchmark}.</a:t>
+            </a:r>
+            <a:r>
+              <a:rPr lang="en-US" b="1" dirty="0" err="1"/>
+              <a:t>ipynb</a:t>
+            </a:r>
+            <a:endParaRPr lang="en-US" b="1" dirty="0"/>
+          </a:p>
+          <a:p>
+            <a:endParaRPr lang="en-US" dirty="0"/>
+          </a:p>
+          <a:p>
+            <a:endParaRPr lang="en-US" dirty="0"/>
+          </a:p>
+          <a:p>
+            <a:endParaRPr lang="en-US" dirty="0"/>
           </a:p>
         </p:txBody>
       </p:sp>
@@ -7100,7 +7212,7 @@
           <a:lstStyle/>
           <a:p>
             <a:r>
-              <a:rPr lang="en-US"/>
+              <a:rPr lang="en-US" dirty="0"/>
               <a:t>Consuming questions in different formats, from disparate sources.</a:t>
             </a:r>
           </a:p>
@@ -7136,65 +7248,65 @@
               <a:buNone/>
             </a:pPr>
             <a:r>
-              <a:rPr lang="en-US"/>
+              <a:rPr lang="en-US" dirty="0"/>
               <a:t>In our code, we will build:</a:t>
             </a:r>
           </a:p>
           <a:p>
             <a:pPr lvl="1"/>
             <a:r>
-              <a:rPr lang="en-US"/>
+              <a:rPr lang="en-US" dirty="0"/>
               <a:t>A list of dictionaries called </a:t>
             </a:r>
             <a:r>
-              <a:rPr lang="en-US" i="1"/>
+              <a:rPr lang="en-US" i="1" dirty="0"/>
               <a:t>questions</a:t>
             </a:r>
             <a:r>
-              <a:rPr lang="en-US"/>
+              <a:rPr lang="en-US" dirty="0"/>
               <a:t> with at least 2 keys:</a:t>
             </a:r>
           </a:p>
           <a:p>
             <a:pPr lvl="2"/>
             <a:r>
-              <a:rPr lang="en-US"/>
+              <a:rPr lang="en-US" dirty="0"/>
               <a:t>Key “input”-&gt; the text of the prompt</a:t>
             </a:r>
           </a:p>
           <a:p>
             <a:pPr lvl="2"/>
             <a:r>
-              <a:rPr lang="en-US"/>
+              <a:rPr lang="en-US" dirty="0"/>
               <a:t>Key “target” -&gt; the text of all the possible responses</a:t>
             </a:r>
           </a:p>
           <a:p>
             <a:pPr lvl="2"/>
-            <a:endParaRPr lang="en-US"/>
+            <a:endParaRPr lang="en-US" dirty="0"/>
           </a:p>
           <a:p>
             <a:pPr lvl="1"/>
             <a:r>
-              <a:rPr lang="en-US"/>
+              <a:rPr lang="en-US" dirty="0"/>
               <a:t>A humongous string called </a:t>
             </a:r>
             <a:r>
-              <a:rPr lang="en-US" i="1"/>
+              <a:rPr lang="en-US" i="1" dirty="0"/>
               <a:t>text</a:t>
             </a:r>
           </a:p>
           <a:p>
             <a:pPr lvl="2"/>
             <a:r>
-              <a:rPr lang="en-US"/>
+              <a:rPr lang="en-US" dirty="0"/>
               <a:t>All the questions appended together. </a:t>
             </a:r>
           </a:p>
           <a:p>
             <a:pPr lvl="2"/>
             <a:r>
-              <a:rPr lang="en-US"/>
+              <a:rPr lang="en-US" dirty="0"/>
               <a:t>Some cleanup, but not much. </a:t>
             </a:r>
           </a:p>
@@ -7252,7 +7364,7 @@
           <a:lstStyle/>
           <a:p>
             <a:r>
-              <a:rPr lang="en-US"/>
+              <a:rPr lang="en-US" dirty="0"/>
               <a:t>Build your own benchmark processor</a:t>
             </a:r>
           </a:p>
@@ -7280,70 +7392,94 @@
           <a:lstStyle/>
           <a:p>
             <a:r>
-              <a:rPr lang="en-US"/>
+              <a:rPr lang="en-US" dirty="0"/>
               <a:t>Create the directory structure</a:t>
             </a:r>
           </a:p>
           <a:p>
-            <a:endParaRPr lang="en-US"/>
-          </a:p>
-          <a:p>
-            <a:r>
-              <a:rPr lang="en-US"/>
+            <a:endParaRPr lang="en-US" dirty="0"/>
+          </a:p>
+          <a:p>
+            <a:r>
+              <a:rPr lang="en-US" dirty="0"/>
               <a:t>Add a processor class to load the original data</a:t>
             </a:r>
           </a:p>
           <a:p>
             <a:pPr lvl="1"/>
             <a:r>
-              <a:rPr lang="en-US"/>
-              <a:t>Json_Processor.ipynb, or</a:t>
+              <a:rPr lang="en-US" dirty="0" err="1"/>
+              <a:t>Json_Processor.ipynb</a:t>
+            </a:r>
+            <a:r>
+              <a:rPr lang="en-US" dirty="0"/>
+              <a:t>, or</a:t>
             </a:r>
           </a:p>
           <a:p>
             <a:pPr lvl="1"/>
             <a:r>
-              <a:rPr lang="en-US"/>
+              <a:rPr lang="en-US" dirty="0" err="1"/>
               <a:t>CSV_Processor.ipynb</a:t>
             </a:r>
+            <a:endParaRPr lang="en-US" dirty="0"/>
           </a:p>
           <a:p>
             <a:pPr lvl="1"/>
-            <a:endParaRPr lang="en-US"/>
-          </a:p>
-          <a:p>
-            <a:r>
-              <a:rPr lang="en-US"/>
+            <a:endParaRPr lang="en-US" dirty="0"/>
+          </a:p>
+          <a:p>
+            <a:r>
+              <a:rPr lang="en-US" dirty="0"/>
               <a:t>Start with a copy of </a:t>
             </a:r>
             <a:r>
-              <a:rPr lang="en-US">
+              <a:rPr lang="en-US" dirty="0">
                 <a:latin typeface="Courier New" panose="02070309020205020404" pitchFamily="49" charset="0"/>
                 <a:cs typeface="Courier New" panose="02070309020205020404" pitchFamily="49" charset="0"/>
               </a:rPr>
-              <a:t>Main Template.ipynb</a:t>
-            </a:r>
+              <a:t>Main </a:t>
+            </a:r>
+            <a:r>
+              <a:rPr lang="en-US" dirty="0" err="1">
+                <a:latin typeface="Courier New" panose="02070309020205020404" pitchFamily="49" charset="0"/>
+                <a:cs typeface="Courier New" panose="02070309020205020404" pitchFamily="49" charset="0"/>
+              </a:rPr>
+              <a:t>Template.ipynb</a:t>
+            </a:r>
+            <a:endParaRPr lang="en-US" dirty="0">
+              <a:latin typeface="Courier New" panose="02070309020205020404" pitchFamily="49" charset="0"/>
+              <a:cs typeface="Courier New" panose="02070309020205020404" pitchFamily="49" charset="0"/>
+            </a:endParaRPr>
           </a:p>
           <a:p>
             <a:pPr lvl="1"/>
             <a:r>
-              <a:rPr lang="en-US"/>
-              <a:t>Follow the “ToDo”s in that notebook</a:t>
+              <a:rPr lang="en-US" dirty="0"/>
+              <a:t>Follow the “</a:t>
+            </a:r>
+            <a:r>
+              <a:rPr lang="en-US" dirty="0" err="1"/>
+              <a:t>ToDo”s</a:t>
+            </a:r>
+            <a:r>
+              <a:rPr lang="en-US" dirty="0"/>
+              <a:t> in that notebook</a:t>
             </a:r>
           </a:p>
           <a:p>
             <a:pPr lvl="1"/>
             <a:r>
-              <a:rPr lang="en-US"/>
+              <a:rPr lang="en-US" dirty="0"/>
               <a:t>Run the notebook, look in the results folder</a:t>
             </a:r>
           </a:p>
           <a:p>
             <a:pPr lvl="1"/>
-            <a:endParaRPr lang="en-US"/>
-          </a:p>
-          <a:p>
-            <a:endParaRPr lang="en-US"/>
+            <a:endParaRPr lang="en-US" dirty="0"/>
+          </a:p>
+          <a:p>
+            <a:endParaRPr lang="en-US" dirty="0"/>
           </a:p>
         </p:txBody>
       </p:sp>

--- a/CCSC-MW Fall 2024 Conference Tutorial.pptx
+++ b/CCSC-MW Fall 2024 Conference Tutorial.pptx
@@ -191,7 +191,7 @@
 <file path=ppt/revisionInfo.xml><?xml version="1.0" encoding="utf-8"?>
 <p1510:revInfo xmlns:a="http://schemas.openxmlformats.org/drawingml/2006/main" xmlns:r="http://schemas.openxmlformats.org/officeDocument/2006/relationships" xmlns:p1510="http://schemas.microsoft.com/office/powerpoint/2015/10/main">
   <p1510:revLst>
-    <p1510:client id="{AC447AB3-8C2D-884D-BE48-FEB9023B3C20}" v="1" dt="2024-09-26T03:23:23.400"/>
+    <p1510:client id="{AC447AB3-8C2D-884D-BE48-FEB9023B3C20}" v="2" dt="2024-09-29T20:05:05.223"/>
   </p1510:revLst>
 </p1510:revInfo>
 </file>
@@ -1068,7 +1068,7 @@
           <a:p>
             <a:fld id="{52C640F9-5F57-4A56-A18C-41BD23F454DE}" type="datetimeFigureOut">
               <a:rPr lang="en-US" smtClean="0"/>
-              <a:t>9/27/24</a:t>
+              <a:t>9/29/24</a:t>
             </a:fld>
             <a:endParaRPr lang="en-US" dirty="0"/>
           </a:p>
@@ -4679,7 +4679,7 @@
           <a:p>
             <a:fld id="{6DAF16FE-B93F-47FF-95FE-4BD6A1B07446}" type="datetimeFigureOut">
               <a:rPr lang="en-US" smtClean="0"/>
-              <a:t>9/27/24</a:t>
+              <a:t>9/29/24</a:t>
             </a:fld>
             <a:endParaRPr lang="en-US" dirty="0"/>
           </a:p>
